--- a/flask-text-translator/slides.pptx
+++ b/flask-text-translator/slides.pptx
@@ -289,7 +289,7 @@
           </a:lstStyle>
           <a:p>
             <a:fld id="{D641486C-203B-4D90-9029-B231351849C3}" type="datetimeFigureOut">
-              <a:t>1/31/2022</a:t>
+              <a:t>2/1/2022</a:t>
             </a:fld>
             <a:endParaRPr/>
           </a:p>
@@ -4887,7 +4887,7 @@
         <p:fade/>
       </p:transition>
     </mc:Choice>
-    <mc:Fallback xmlns="" xmlns:m="http://schemas.openxmlformats.org/officeDocument/2006/math" xmlns:w="http://schemas.openxmlformats.org/wordprocessingml/2006/main" xmlns:wp="http://schemas.openxmlformats.org/drawingml/2006/wordprocessingDrawing" xmlns:a14="http://schemas.microsoft.com/office/drawing/2010/main" xmlns:p15="http://schemas.microsoft.com/office/powerpoint/2012/main" xmlns:p159="http://schemas.microsoft.com/office/powerpoint/2015/09/main">
+    <mc:Fallback xmlns:p159="http://schemas.microsoft.com/office/powerpoint/2015/09/main" xmlns:p15="http://schemas.microsoft.com/office/powerpoint/2012/main" xmlns:a14="http://schemas.microsoft.com/office/drawing/2010/main" xmlns:wp="http://schemas.openxmlformats.org/drawingml/2006/wordprocessingDrawing" xmlns:w="http://schemas.openxmlformats.org/wordprocessingml/2006/main" xmlns:m="http://schemas.openxmlformats.org/officeDocument/2006/math" xmlns="">
       <p:transition spd="med">
         <p:fade/>
       </p:transition>
@@ -8200,7 +8200,7 @@
         <p:fade/>
       </p:transition>
     </mc:Choice>
-    <mc:Fallback xmlns="" xmlns:m="http://schemas.openxmlformats.org/officeDocument/2006/math" xmlns:w="http://schemas.openxmlformats.org/wordprocessingml/2006/main" xmlns:wp="http://schemas.openxmlformats.org/drawingml/2006/wordprocessingDrawing" xmlns:a14="http://schemas.microsoft.com/office/drawing/2010/main" xmlns:p15="http://schemas.microsoft.com/office/powerpoint/2012/main" xmlns:p159="http://schemas.microsoft.com/office/powerpoint/2015/09/main">
+    <mc:Fallback xmlns:p159="http://schemas.microsoft.com/office/powerpoint/2015/09/main" xmlns:p15="http://schemas.microsoft.com/office/powerpoint/2012/main" xmlns:a14="http://schemas.microsoft.com/office/drawing/2010/main" xmlns:wp="http://schemas.openxmlformats.org/drawingml/2006/wordprocessingDrawing" xmlns:w="http://schemas.openxmlformats.org/wordprocessingml/2006/main" xmlns:m="http://schemas.openxmlformats.org/officeDocument/2006/math" xmlns="">
       <p:transition spd="med">
         <p:fade/>
       </p:transition>
@@ -15653,7 +15653,7 @@
         <p:fade/>
       </p:transition>
     </mc:Choice>
-    <mc:Fallback xmlns="" xmlns:m="http://schemas.openxmlformats.org/officeDocument/2006/math" xmlns:w="http://schemas.openxmlformats.org/wordprocessingml/2006/main" xmlns:wp="http://schemas.openxmlformats.org/drawingml/2006/wordprocessingDrawing" xmlns:a14="http://schemas.microsoft.com/office/drawing/2010/main" xmlns:p15="http://schemas.microsoft.com/office/powerpoint/2012/main" xmlns:p159="http://schemas.microsoft.com/office/powerpoint/2015/09/main">
+    <mc:Fallback xmlns:p159="http://schemas.microsoft.com/office/powerpoint/2015/09/main" xmlns:p15="http://schemas.microsoft.com/office/powerpoint/2012/main" xmlns:a14="http://schemas.microsoft.com/office/drawing/2010/main" xmlns:wp="http://schemas.openxmlformats.org/drawingml/2006/wordprocessingDrawing" xmlns:w="http://schemas.openxmlformats.org/wordprocessingml/2006/main" xmlns:m="http://schemas.openxmlformats.org/officeDocument/2006/math" xmlns="">
       <p:transition spd="med">
         <p:fade/>
       </p:transition>
@@ -16805,7 +16805,7 @@
         <p:fade/>
       </p:transition>
     </mc:Choice>
-    <mc:Fallback xmlns="" xmlns:m="http://schemas.openxmlformats.org/officeDocument/2006/math" xmlns:w="http://schemas.openxmlformats.org/wordprocessingml/2006/main" xmlns:wp="http://schemas.openxmlformats.org/drawingml/2006/wordprocessingDrawing" xmlns:a14="http://schemas.microsoft.com/office/drawing/2010/main" xmlns:p15="http://schemas.microsoft.com/office/powerpoint/2012/main" xmlns:p159="http://schemas.microsoft.com/office/powerpoint/2015/09/main">
+    <mc:Fallback xmlns:p159="http://schemas.microsoft.com/office/powerpoint/2015/09/main" xmlns:p15="http://schemas.microsoft.com/office/powerpoint/2012/main" xmlns:a14="http://schemas.microsoft.com/office/drawing/2010/main" xmlns:wp="http://schemas.openxmlformats.org/drawingml/2006/wordprocessingDrawing" xmlns:w="http://schemas.openxmlformats.org/wordprocessingml/2006/main" xmlns:m="http://schemas.openxmlformats.org/officeDocument/2006/math" xmlns="">
       <p:transition spd="med">
         <p:fade/>
       </p:transition>
@@ -16999,7 +16999,7 @@
         <p:fade/>
       </p:transition>
     </mc:Choice>
-    <mc:Fallback xmlns="" xmlns:m="http://schemas.openxmlformats.org/officeDocument/2006/math" xmlns:w="http://schemas.openxmlformats.org/wordprocessingml/2006/main" xmlns:wp="http://schemas.openxmlformats.org/drawingml/2006/wordprocessingDrawing" xmlns:a14="http://schemas.microsoft.com/office/drawing/2010/main" xmlns:p15="http://schemas.microsoft.com/office/powerpoint/2012/main" xmlns:p159="http://schemas.microsoft.com/office/powerpoint/2015/09/main">
+    <mc:Fallback xmlns:p159="http://schemas.microsoft.com/office/powerpoint/2015/09/main" xmlns:p15="http://schemas.microsoft.com/office/powerpoint/2012/main" xmlns:a14="http://schemas.microsoft.com/office/drawing/2010/main" xmlns:wp="http://schemas.openxmlformats.org/drawingml/2006/wordprocessingDrawing" xmlns:w="http://schemas.openxmlformats.org/wordprocessingml/2006/main" xmlns:m="http://schemas.openxmlformats.org/officeDocument/2006/math" xmlns="">
       <p:transition spd="med">
         <p:fade/>
       </p:transition>
@@ -17119,7 +17119,7 @@
         <p:fade/>
       </p:transition>
     </mc:Choice>
-    <mc:Fallback xmlns="" xmlns:m="http://schemas.openxmlformats.org/officeDocument/2006/math" xmlns:w="http://schemas.openxmlformats.org/wordprocessingml/2006/main" xmlns:wp="http://schemas.openxmlformats.org/drawingml/2006/wordprocessingDrawing" xmlns:a14="http://schemas.microsoft.com/office/drawing/2010/main" xmlns:p15="http://schemas.microsoft.com/office/powerpoint/2012/main" xmlns:p159="http://schemas.microsoft.com/office/powerpoint/2015/09/main">
+    <mc:Fallback xmlns:p159="http://schemas.microsoft.com/office/powerpoint/2015/09/main" xmlns:p15="http://schemas.microsoft.com/office/powerpoint/2012/main" xmlns:a14="http://schemas.microsoft.com/office/drawing/2010/main" xmlns:wp="http://schemas.openxmlformats.org/drawingml/2006/wordprocessingDrawing" xmlns:w="http://schemas.openxmlformats.org/wordprocessingml/2006/main" xmlns:m="http://schemas.openxmlformats.org/officeDocument/2006/math" xmlns="">
       <p:transition spd="med">
         <p:fade/>
       </p:transition>
@@ -18014,7 +18014,7 @@
         <p:fade/>
       </p:transition>
     </mc:Choice>
-    <mc:Fallback xmlns="" xmlns:m="http://schemas.openxmlformats.org/officeDocument/2006/math" xmlns:w="http://schemas.openxmlformats.org/wordprocessingml/2006/main" xmlns:wp="http://schemas.openxmlformats.org/drawingml/2006/wordprocessingDrawing" xmlns:a14="http://schemas.microsoft.com/office/drawing/2010/main" xmlns:p15="http://schemas.microsoft.com/office/powerpoint/2012/main" xmlns:p159="http://schemas.microsoft.com/office/powerpoint/2015/09/main">
+    <mc:Fallback xmlns:p159="http://schemas.microsoft.com/office/powerpoint/2015/09/main" xmlns:p15="http://schemas.microsoft.com/office/powerpoint/2012/main" xmlns:a14="http://schemas.microsoft.com/office/drawing/2010/main" xmlns:wp="http://schemas.openxmlformats.org/drawingml/2006/wordprocessingDrawing" xmlns:w="http://schemas.openxmlformats.org/wordprocessingml/2006/main" xmlns:m="http://schemas.openxmlformats.org/officeDocument/2006/math" xmlns="">
       <p:transition spd="med">
         <p:fade/>
       </p:transition>
